--- a/documents/MACK Pages Workshop.pptx
+++ b/documents/MACK Pages Workshop.pptx
@@ -8897,7 +8897,7 @@
         </p:nvSpPr>
         <p:spPr>
           <a:xfrm>
-            <a:off x="387900" y="1489824"/>
+            <a:off x="387900" y="1344984"/>
             <a:ext cx="8368200" cy="3078900"/>
           </a:xfrm>
           <a:prstGeom prst="rect">
@@ -9026,7 +9026,7 @@
         </p:nvSpPr>
         <p:spPr>
           <a:xfrm>
-            <a:off x="3173467" y="4279047"/>
+            <a:off x="3314716" y="4417115"/>
             <a:ext cx="379500" cy="229800"/>
           </a:xfrm>
           <a:prstGeom prst="rightArrow">
@@ -9242,7 +9242,7 @@
         </p:blipFill>
         <p:spPr>
           <a:xfrm>
-            <a:off x="3607581" y="3656470"/>
+            <a:off x="3772600" y="3801307"/>
             <a:ext cx="4460488" cy="1245154"/>
           </a:xfrm>
           <a:prstGeom prst="rect">
@@ -9250,6 +9250,87 @@
           </a:prstGeom>
         </p:spPr>
       </p:pic>
+      <p:pic>
+        <p:nvPicPr>
+          <p:cNvPr id="4" name="Picture 3">
+            <a:extLst>
+              <a:ext uri="{FF2B5EF4-FFF2-40B4-BE49-F238E27FC236}">
+                <a16:creationId xmlns:a16="http://schemas.microsoft.com/office/drawing/2014/main" id="{83C71580-8385-3E27-D665-A036863134B9}"/>
+              </a:ext>
+            </a:extLst>
+          </p:cNvPr>
+          <p:cNvPicPr>
+            <a:picLocks noChangeAspect="1"/>
+          </p:cNvPicPr>
+          <p:nvPr/>
+        </p:nvPicPr>
+        <p:blipFill>
+          <a:blip r:embed="rId6"/>
+          <a:srcRect r="33500"/>
+          <a:stretch/>
+        </p:blipFill>
+        <p:spPr>
+          <a:xfrm>
+            <a:off x="3664070" y="2669240"/>
+            <a:ext cx="4677547" cy="1092229"/>
+          </a:xfrm>
+          <a:prstGeom prst="rect">
+            <a:avLst/>
+          </a:prstGeom>
+        </p:spPr>
+      </p:pic>
+      <p:sp>
+        <p:nvSpPr>
+          <p:cNvPr id="6" name="Rectangle 5">
+            <a:extLst>
+              <a:ext uri="{FF2B5EF4-FFF2-40B4-BE49-F238E27FC236}">
+                <a16:creationId xmlns:a16="http://schemas.microsoft.com/office/drawing/2014/main" id="{572303A0-5762-AEAC-63D2-30FBF9AEC391}"/>
+              </a:ext>
+            </a:extLst>
+          </p:cNvPr>
+          <p:cNvSpPr/>
+          <p:nvPr/>
+        </p:nvSpPr>
+        <p:spPr>
+          <a:xfrm>
+            <a:off x="5670903" y="3401415"/>
+            <a:ext cx="1248937" cy="229800"/>
+          </a:xfrm>
+          <a:prstGeom prst="rect">
+            <a:avLst/>
+          </a:prstGeom>
+          <a:noFill/>
+          <a:ln>
+            <a:solidFill>
+              <a:srgbClr val="C00000"/>
+            </a:solidFill>
+          </a:ln>
+        </p:spPr>
+        <p:style>
+          <a:lnRef idx="2">
+            <a:schemeClr val="accent1">
+              <a:shade val="15000"/>
+            </a:schemeClr>
+          </a:lnRef>
+          <a:fillRef idx="1">
+            <a:schemeClr val="accent1"/>
+          </a:fillRef>
+          <a:effectRef idx="0">
+            <a:schemeClr val="accent1"/>
+          </a:effectRef>
+          <a:fontRef idx="minor">
+            <a:schemeClr val="lt1"/>
+          </a:fontRef>
+        </p:style>
+        <p:txBody>
+          <a:bodyPr rtlCol="0" anchor="ctr"/>
+          <a:lstStyle/>
+          <a:p>
+            <a:pPr algn="ctr"/>
+            <a:endParaRPr lang="en-US"/>
+          </a:p>
+        </p:txBody>
+      </p:sp>
     </p:spTree>
   </p:cSld>
   <p:clrMapOvr>
